--- a/bedrock_ppt.pptx
+++ b/bedrock_ppt.pptx
@@ -10121,7 +10121,7 @@
         <p:spPr>
           <a:xfrm>
             <a:off x="5534404" y="3898502"/>
-            <a:ext cx="1672253" cy="538609"/>
+            <a:ext cx="1653017" cy="538609"/>
           </a:xfrm>
           <a:prstGeom prst="rect">
             <a:avLst/>
@@ -10144,7 +10144,7 @@
                 <a:ea typeface="Amazon Ember" panose="020B0603020204020204" pitchFamily="34" charset="0"/>
                 <a:cs typeface="Amazon Ember" panose="020B0603020204020204" pitchFamily="34" charset="0"/>
               </a:rPr>
-              <a:t>检索结果</a:t>
+              <a:t>RAG结果</a:t>
             </a:r>
           </a:p>
         </p:txBody>
@@ -11896,6 +11896,105 @@
             </a:r>
           </a:p>
           <a:p>
+            <a:pPr marL="342900" indent="-342900">
+              <a:buFont typeface="Arial" panose="020B0604020202020204" pitchFamily="34" charset="0"/>
+              <a:buChar char="•"/>
+            </a:pPr>
+            <a:r>
+              <a:rPr lang="zh-CN" altLang="en-US" sz="2000" b="0" i="0" dirty="0">
+                <a:effectLst/>
+                <a:latin typeface="+mn-ea"/>
+              </a:rPr>
+              <a:t>使用多模态</a:t>
+            </a:r>
+            <a:r>
+              <a:rPr lang="en-US" sz="2000" b="0" i="0" dirty="0">
+                <a:effectLst/>
+                <a:latin typeface="+mn-ea"/>
+              </a:rPr>
+              <a:t>Embedding</a:t>
+            </a:r>
+            <a:r>
+              <a:rPr lang="zh-CN" altLang="en-US" sz="2000" b="0" i="0" dirty="0">
+                <a:effectLst/>
+                <a:latin typeface="+mn-ea"/>
+              </a:rPr>
+              <a:t>模型对图像和文本做</a:t>
+            </a:r>
+            <a:r>
+              <a:rPr lang="en-US" sz="2000" b="0" i="0" dirty="0">
+                <a:effectLst/>
+                <a:latin typeface="+mn-ea"/>
+              </a:rPr>
+              <a:t>Embedding</a:t>
+            </a:r>
+          </a:p>
+          <a:p>
+            <a:pPr marL="342900" indent="-342900">
+              <a:buFont typeface="Arial" panose="020B0604020202020204" pitchFamily="34" charset="0"/>
+              <a:buChar char="•"/>
+            </a:pPr>
+            <a:r>
+              <a:rPr lang="zh-CN" altLang="en-US" sz="2000" b="0" i="0" dirty="0">
+                <a:effectLst/>
+                <a:latin typeface="+mn-ea"/>
+              </a:rPr>
+              <a:t>根据用户问题召回图像和文本</a:t>
+            </a:r>
+            <a:endParaRPr lang="en-US" altLang="zh-CN" sz="2000" b="0" i="0" dirty="0">
+              <a:effectLst/>
+              <a:latin typeface="+mn-ea"/>
+            </a:endParaRPr>
+          </a:p>
+          <a:p>
+            <a:pPr marL="342900" indent="-342900">
+              <a:buFont typeface="Arial" panose="020B0604020202020204" pitchFamily="34" charset="0"/>
+              <a:buChar char="•"/>
+            </a:pPr>
+            <a:r>
+              <a:rPr lang="zh-CN" altLang="en-US" sz="2000" b="0" i="0" dirty="0">
+                <a:effectLst/>
+                <a:latin typeface="+mn-ea"/>
+              </a:rPr>
+              <a:t>将检索到的图像和文本块传递给多模态</a:t>
+            </a:r>
+            <a:r>
+              <a:rPr lang="en-US" sz="2000" b="0" i="0" dirty="0">
+                <a:effectLst/>
+                <a:latin typeface="+mn-ea"/>
+              </a:rPr>
+              <a:t>LLM</a:t>
+            </a:r>
+            <a:r>
+              <a:rPr lang="zh-CN" altLang="en-US" sz="2000" b="0" i="0" dirty="0">
+                <a:effectLst/>
+                <a:latin typeface="+mn-ea"/>
+              </a:rPr>
+              <a:t>（</a:t>
+            </a:r>
+            <a:r>
+              <a:rPr lang="en-US" altLang="zh-CN" sz="2000" b="0" i="0" dirty="0">
+                <a:effectLst/>
+                <a:latin typeface="+mn-ea"/>
+              </a:rPr>
+              <a:t>Claude3</a:t>
+            </a:r>
+            <a:r>
+              <a:rPr lang="zh-CN" altLang="en-US" sz="2000" b="0" i="0" dirty="0">
+                <a:effectLst/>
+                <a:latin typeface="+mn-ea"/>
+              </a:rPr>
+              <a:t>）以生成回答</a:t>
+            </a:r>
+          </a:p>
+          <a:p>
+            <a:pPr marL="1645920" lvl="1">
+              <a:buFont typeface="Arial" panose="020B0604020202020204" pitchFamily="34" charset="0"/>
+              <a:buChar char="•"/>
+            </a:pPr>
+            <a:endParaRPr lang="en-CN" dirty="0"/>
+          </a:p>
+          <a:p>
             <a:endParaRPr lang="en-CN" dirty="0"/>
           </a:p>
         </p:txBody>
@@ -13017,7 +13116,7 @@
                 <a:ea typeface="Amazon Ember" panose="020B0603020204020204" pitchFamily="34" charset="0"/>
                 <a:cs typeface="Amazon Ember" panose="020B0603020204020204" pitchFamily="34" charset="0"/>
               </a:rPr>
-              <a:t>、社会和治理方的报告</a:t>
+              <a:t>、社会和治理方面绩效的报告</a:t>
             </a:r>
             <a:endParaRPr lang="en-US" altLang="zh-CN" sz="2400" dirty="0">
               <a:solidFill>
@@ -14331,21 +14430,6 @@
 </file>
 
 <file path=customXml/item1.xml><?xml version="1.0" encoding="utf-8"?>
-<?mso-contentType ?>
-<FormTemplates xmlns="http://schemas.microsoft.com/sharepoint/v3/contenttype/forms">
-  <Display>DocumentLibraryForm</Display>
-  <Edit>DocumentLibraryForm</Edit>
-  <New>DocumentLibraryForm</New>
-</FormTemplates>
-</file>
-
-<file path=customXml/item2.xml><?xml version="1.0" encoding="utf-8"?>
-<p:properties xmlns:p="http://schemas.microsoft.com/office/2006/metadata/properties" xmlns:xsi="http://www.w3.org/2001/XMLSchema-instance">
-  <documentManagement/>
-</p:properties>
-</file>
-
-<file path=customXml/item3.xml><?xml version="1.0" encoding="utf-8"?>
 <ct:contentTypeSchema xmlns:ct="http://schemas.microsoft.com/office/2006/metadata/contentType" xmlns:ma="http://schemas.microsoft.com/office/2006/metadata/properties/metaAttributes" ct:_="" ma:_="" ma:contentTypeName="Document" ma:contentTypeID="0x010100D26A3D6C04DFD740953BA1B2B9E62D60" ma:contentTypeVersion="0" ma:contentTypeDescription="Create a new document." ma:contentTypeScope="" ma:versionID="26617cd14cd3af163c0e97ff614e520a">
   <xsd:schema xmlns:xsd="http://www.w3.org/2001/XMLSchema" xmlns:xs="http://www.w3.org/2001/XMLSchema" xmlns:p="http://schemas.microsoft.com/office/2006/metadata/properties" targetNamespace="http://schemas.microsoft.com/office/2006/metadata/properties" ma:root="true" ma:fieldsID="c64490b4aec6201516c3a874156f37b2">
     <xsd:element name="properties">
@@ -14459,10 +14543,33 @@
 </ct:contentTypeSchema>
 </file>
 
+<file path=customXml/item2.xml><?xml version="1.0" encoding="utf-8"?>
+<p:properties xmlns:p="http://schemas.microsoft.com/office/2006/metadata/properties" xmlns:xsi="http://www.w3.org/2001/XMLSchema-instance">
+  <documentManagement/>
+</p:properties>
+</file>
+
+<file path=customXml/item3.xml><?xml version="1.0" encoding="utf-8"?>
+<?mso-contentType ?>
+<FormTemplates xmlns="http://schemas.microsoft.com/sharepoint/v3/contenttype/forms">
+  <Display>DocumentLibraryForm</Display>
+  <Edit>DocumentLibraryForm</Edit>
+  <New>DocumentLibraryForm</New>
+</FormTemplates>
+</file>
+
 <file path=customXml/itemProps1.xml><?xml version="1.0" encoding="utf-8"?>
-<ds:datastoreItem xmlns:ds="http://schemas.openxmlformats.org/officeDocument/2006/customXml" ds:itemID="{705B35A6-8B52-46A5-AE45-B98C6459DC10}">
+<ds:datastoreItem xmlns:ds="http://schemas.openxmlformats.org/officeDocument/2006/customXml" ds:itemID="{51A3258A-222C-4488-825E-7520D001FB75}">
   <ds:schemaRefs>
-    <ds:schemaRef ds:uri="http://schemas.microsoft.com/sharepoint/v3/contenttype/forms"/>
+    <ds:schemaRef ds:uri="http://schemas.microsoft.com/office/2006/metadata/contentType"/>
+    <ds:schemaRef ds:uri="http://schemas.microsoft.com/office/2006/metadata/properties/metaAttributes"/>
+    <ds:schemaRef ds:uri="http://www.w3.org/2001/XMLSchema"/>
+    <ds:schemaRef ds:uri="http://schemas.microsoft.com/office/2006/metadata/properties"/>
+    <ds:schemaRef ds:uri="http://schemas.openxmlformats.org/package/2006/metadata/core-properties"/>
+    <ds:schemaRef ds:uri="http://purl.org/dc/elements/1.1/"/>
+    <ds:schemaRef ds:uri="http://purl.org/dc/terms/"/>
+    <ds:schemaRef ds:uri="http://schemas.microsoft.com/internal/obd"/>
+    <ds:schemaRef ds:uri="http://schemas.microsoft.com/office/infopath/2007/PartnerControls"/>
   </ds:schemaRefs>
 </ds:datastoreItem>
 </file>
@@ -14483,17 +14590,9 @@
 </file>
 
 <file path=customXml/itemProps3.xml><?xml version="1.0" encoding="utf-8"?>
-<ds:datastoreItem xmlns:ds="http://schemas.openxmlformats.org/officeDocument/2006/customXml" ds:itemID="{51A3258A-222C-4488-825E-7520D001FB75}">
+<ds:datastoreItem xmlns:ds="http://schemas.openxmlformats.org/officeDocument/2006/customXml" ds:itemID="{705B35A6-8B52-46A5-AE45-B98C6459DC10}">
   <ds:schemaRefs>
-    <ds:schemaRef ds:uri="http://schemas.microsoft.com/office/2006/metadata/contentType"/>
-    <ds:schemaRef ds:uri="http://schemas.microsoft.com/office/2006/metadata/properties/metaAttributes"/>
-    <ds:schemaRef ds:uri="http://www.w3.org/2001/XMLSchema"/>
-    <ds:schemaRef ds:uri="http://schemas.microsoft.com/office/2006/metadata/properties"/>
-    <ds:schemaRef ds:uri="http://schemas.openxmlformats.org/package/2006/metadata/core-properties"/>
-    <ds:schemaRef ds:uri="http://purl.org/dc/elements/1.1/"/>
-    <ds:schemaRef ds:uri="http://purl.org/dc/terms/"/>
-    <ds:schemaRef ds:uri="http://schemas.microsoft.com/internal/obd"/>
-    <ds:schemaRef ds:uri="http://schemas.microsoft.com/office/infopath/2007/PartnerControls"/>
+    <ds:schemaRef ds:uri="http://schemas.microsoft.com/sharepoint/v3/contenttype/forms"/>
   </ds:schemaRefs>
 </ds:datastoreItem>
 </file>